--- a/Documentación usada para preparar la charla/IntroAlFrontMedianteHolaMundo.pptx
+++ b/Documentación usada para preparar la charla/IntroAlFrontMedianteHolaMundo.pptx
@@ -30876,10 +30876,10 @@
       </p:pic>
       <p:pic>
         <p:nvPicPr>
-          <p:cNvPr id="2" name="Imagen 1">
+          <p:cNvPr id="3" name="Imagen 2">
             <a:extLst>
               <a:ext uri="{FF2B5EF4-FFF2-40B4-BE49-F238E27FC236}">
-                <a16:creationId xmlns:a16="http://schemas.microsoft.com/office/drawing/2014/main" id="{0340CD43-CB00-4DBA-8AAE-7B0D9A04188A}"/>
+                <a16:creationId xmlns:a16="http://schemas.microsoft.com/office/drawing/2014/main" id="{94D7E29B-3129-484B-9E21-1360DAAAFA8F}"/>
               </a:ext>
             </a:extLst>
           </p:cNvPr>
@@ -30896,8 +30896,8 @@
         </p:blipFill>
         <p:spPr>
           <a:xfrm>
-            <a:off x="7914053" y="748047"/>
-            <a:ext cx="1145931" cy="1981505"/>
+            <a:off x="7867250" y="630237"/>
+            <a:ext cx="1192735" cy="2295843"/>
           </a:xfrm>
           <a:prstGeom prst="rect">
             <a:avLst/>
@@ -31164,10 +31164,10 @@
       </p:pic>
       <p:pic>
         <p:nvPicPr>
-          <p:cNvPr id="2" name="Imagen 1">
+          <p:cNvPr id="7" name="Imagen 6">
             <a:extLst>
               <a:ext uri="{FF2B5EF4-FFF2-40B4-BE49-F238E27FC236}">
-                <a16:creationId xmlns:a16="http://schemas.microsoft.com/office/drawing/2014/main" id="{EE031B29-E167-4FE7-A89E-932B87C0B695}"/>
+                <a16:creationId xmlns:a16="http://schemas.microsoft.com/office/drawing/2014/main" id="{B254ED40-A839-41F2-8622-0F67D4DE4721}"/>
               </a:ext>
             </a:extLst>
           </p:cNvPr>
@@ -31184,8 +31184,8 @@
         </p:blipFill>
         <p:spPr>
           <a:xfrm>
-            <a:off x="7899211" y="514667"/>
-            <a:ext cx="1186251" cy="4114165"/>
+            <a:off x="7852255" y="600710"/>
+            <a:ext cx="1233207" cy="3699620"/>
           </a:xfrm>
           <a:prstGeom prst="rect">
             <a:avLst/>

--- a/Documentación usada para preparar la charla/IntroAlFrontMedianteHolaMundo.pptx
+++ b/Documentación usada para preparar la charla/IntroAlFrontMedianteHolaMundo.pptx
@@ -30777,109 +30777,100 @@
       </p:pic>
       <p:pic>
         <p:nvPicPr>
-          <p:cNvPr id="11" name="Shape 702">
+          <p:cNvPr id="3" name="Imagen 2">
             <a:extLst>
               <a:ext uri="{FF2B5EF4-FFF2-40B4-BE49-F238E27FC236}">
-                <a16:creationId xmlns:a16="http://schemas.microsoft.com/office/drawing/2014/main" id="{1EC6E997-9D2A-41A1-822B-C28AD2A09677}"/>
+                <a16:creationId xmlns:a16="http://schemas.microsoft.com/office/drawing/2014/main" id="{94D7E29B-3129-484B-9E21-1360DAAAFA8F}"/>
               </a:ext>
             </a:extLst>
           </p:cNvPr>
-          <p:cNvPicPr preferRelativeResize="0"/>
+          <p:cNvPicPr>
+            <a:picLocks noChangeAspect="1"/>
+          </p:cNvPicPr>
           <p:nvPr/>
         </p:nvPicPr>
-        <p:blipFill rotWithShape="1">
-          <a:blip r:embed="rId6">
-            <a:alphaModFix/>
-          </a:blip>
-          <a:srcRect/>
-          <a:stretch/>
+        <p:blipFill>
+          <a:blip r:embed="rId6"/>
+          <a:stretch>
+            <a:fillRect/>
+          </a:stretch>
         </p:blipFill>
         <p:spPr>
           <a:xfrm>
-            <a:off x="3998198" y="768759"/>
-            <a:ext cx="1137019" cy="1362571"/>
+            <a:off x="7867250" y="630237"/>
+            <a:ext cx="1192735" cy="2295843"/>
           </a:xfrm>
           <a:prstGeom prst="rect">
             <a:avLst/>
           </a:prstGeom>
-          <a:noFill/>
-          <a:ln>
-            <a:noFill/>
-          </a:ln>
         </p:spPr>
       </p:pic>
       <p:pic>
         <p:nvPicPr>
-          <p:cNvPr id="12" name="Shape 699">
+          <p:cNvPr id="4" name="Imagen 3">
             <a:extLst>
               <a:ext uri="{FF2B5EF4-FFF2-40B4-BE49-F238E27FC236}">
-                <a16:creationId xmlns:a16="http://schemas.microsoft.com/office/drawing/2014/main" id="{019E28B3-88A0-4C05-B7A2-7BD3E3CFB1F8}"/>
+                <a16:creationId xmlns:a16="http://schemas.microsoft.com/office/drawing/2014/main" id="{E81E87CE-808B-4F06-AB0B-A45015D38216}"/>
               </a:ext>
             </a:extLst>
           </p:cNvPr>
-          <p:cNvPicPr preferRelativeResize="0"/>
+          <p:cNvPicPr>
+            <a:picLocks noChangeAspect="1"/>
+          </p:cNvPicPr>
           <p:nvPr/>
         </p:nvPicPr>
-        <p:blipFill rotWithShape="1">
-          <a:blip r:embed="rId7">
-            <a:alphaModFix/>
-          </a:blip>
-          <a:srcRect/>
-          <a:stretch/>
+        <p:blipFill>
+          <a:blip r:embed="rId7"/>
+          <a:stretch>
+            <a:fillRect/>
+          </a:stretch>
         </p:blipFill>
         <p:spPr>
           <a:xfrm>
-            <a:off x="5275893" y="766104"/>
-            <a:ext cx="1194520" cy="2666209"/>
+            <a:off x="6586870" y="654903"/>
+            <a:ext cx="1196365" cy="2007017"/>
           </a:xfrm>
           <a:prstGeom prst="rect">
             <a:avLst/>
           </a:prstGeom>
-          <a:noFill/>
-          <a:ln>
-            <a:noFill/>
-          </a:ln>
         </p:spPr>
       </p:pic>
       <p:pic>
         <p:nvPicPr>
-          <p:cNvPr id="13" name="Shape 700">
+          <p:cNvPr id="6" name="Imagen 5">
             <a:extLst>
               <a:ext uri="{FF2B5EF4-FFF2-40B4-BE49-F238E27FC236}">
-                <a16:creationId xmlns:a16="http://schemas.microsoft.com/office/drawing/2014/main" id="{024BB8FF-4A51-4D78-90B6-3D40D09B3828}"/>
+                <a16:creationId xmlns:a16="http://schemas.microsoft.com/office/drawing/2014/main" id="{9A652C4F-D93D-42D4-9CE3-94E412E6C23B}"/>
               </a:ext>
             </a:extLst>
           </p:cNvPr>
-          <p:cNvPicPr preferRelativeResize="0"/>
+          <p:cNvPicPr>
+            <a:picLocks noChangeAspect="1"/>
+          </p:cNvPicPr>
           <p:nvPr/>
         </p:nvPicPr>
-        <p:blipFill rotWithShape="1">
-          <a:blip r:embed="rId8">
-            <a:alphaModFix/>
-          </a:blip>
-          <a:srcRect/>
-          <a:stretch/>
+        <p:blipFill>
+          <a:blip r:embed="rId8"/>
+          <a:stretch>
+            <a:fillRect/>
+          </a:stretch>
         </p:blipFill>
         <p:spPr>
           <a:xfrm>
-            <a:off x="6588473" y="766103"/>
-            <a:ext cx="1170675" cy="1350887"/>
+            <a:off x="5273944" y="654903"/>
+            <a:ext cx="1177524" cy="2295843"/>
           </a:xfrm>
           <a:prstGeom prst="rect">
             <a:avLst/>
           </a:prstGeom>
-          <a:noFill/>
-          <a:ln>
-            <a:noFill/>
-          </a:ln>
         </p:spPr>
       </p:pic>
       <p:pic>
         <p:nvPicPr>
-          <p:cNvPr id="3" name="Imagen 2">
+          <p:cNvPr id="7" name="Imagen 6">
             <a:extLst>
               <a:ext uri="{FF2B5EF4-FFF2-40B4-BE49-F238E27FC236}">
-                <a16:creationId xmlns:a16="http://schemas.microsoft.com/office/drawing/2014/main" id="{94D7E29B-3129-484B-9E21-1360DAAAFA8F}"/>
+                <a16:creationId xmlns:a16="http://schemas.microsoft.com/office/drawing/2014/main" id="{6ECCCDCF-BE44-4528-A7E6-AD3F994A5E3C}"/>
               </a:ext>
             </a:extLst>
           </p:cNvPr>
@@ -30896,8 +30887,8 @@
         </p:blipFill>
         <p:spPr>
           <a:xfrm>
-            <a:off x="7867250" y="630237"/>
-            <a:ext cx="1192735" cy="2295843"/>
+            <a:off x="3974887" y="654903"/>
+            <a:ext cx="1163655" cy="2616617"/>
           </a:xfrm>
           <a:prstGeom prst="rect">
             <a:avLst/>
@@ -31065,109 +31056,100 @@
       </p:pic>
       <p:pic>
         <p:nvPicPr>
-          <p:cNvPr id="6" name="Shape 713">
+          <p:cNvPr id="7" name="Imagen 6">
             <a:extLst>
               <a:ext uri="{FF2B5EF4-FFF2-40B4-BE49-F238E27FC236}">
-                <a16:creationId xmlns:a16="http://schemas.microsoft.com/office/drawing/2014/main" id="{7F23BA18-33E7-43FC-9666-140EE51EAD2E}"/>
+                <a16:creationId xmlns:a16="http://schemas.microsoft.com/office/drawing/2014/main" id="{B254ED40-A839-41F2-8622-0F67D4DE4721}"/>
               </a:ext>
             </a:extLst>
           </p:cNvPr>
-          <p:cNvPicPr preferRelativeResize="0"/>
+          <p:cNvPicPr>
+            <a:picLocks noChangeAspect="1"/>
+          </p:cNvPicPr>
           <p:nvPr/>
         </p:nvPicPr>
-        <p:blipFill rotWithShape="1">
-          <a:blip r:embed="rId6">
-            <a:alphaModFix/>
-          </a:blip>
-          <a:srcRect/>
-          <a:stretch/>
+        <p:blipFill>
+          <a:blip r:embed="rId6"/>
+          <a:stretch>
+            <a:fillRect/>
+          </a:stretch>
         </p:blipFill>
         <p:spPr>
           <a:xfrm>
-            <a:off x="3984686" y="796697"/>
-            <a:ext cx="1193007" cy="1058607"/>
+            <a:off x="7852255" y="600710"/>
+            <a:ext cx="1233207" cy="3699620"/>
           </a:xfrm>
           <a:prstGeom prst="rect">
             <a:avLst/>
           </a:prstGeom>
-          <a:noFill/>
-          <a:ln>
-            <a:noFill/>
-          </a:ln>
         </p:spPr>
       </p:pic>
       <p:pic>
         <p:nvPicPr>
-          <p:cNvPr id="8" name="Shape 716">
+          <p:cNvPr id="12" name="Imagen 11">
             <a:extLst>
               <a:ext uri="{FF2B5EF4-FFF2-40B4-BE49-F238E27FC236}">
-                <a16:creationId xmlns:a16="http://schemas.microsoft.com/office/drawing/2014/main" id="{2F6D8F89-252F-41E6-BFCF-6D87DADC03C0}"/>
+                <a16:creationId xmlns:a16="http://schemas.microsoft.com/office/drawing/2014/main" id="{B1D99444-31D7-40FC-ABC4-620F5DB16A41}"/>
               </a:ext>
             </a:extLst>
           </p:cNvPr>
-          <p:cNvPicPr preferRelativeResize="0"/>
+          <p:cNvPicPr>
+            <a:picLocks noChangeAspect="1"/>
+          </p:cNvPicPr>
           <p:nvPr/>
         </p:nvPicPr>
-        <p:blipFill rotWithShape="1">
-          <a:blip r:embed="rId7">
-            <a:alphaModFix/>
-          </a:blip>
-          <a:srcRect/>
-          <a:stretch/>
+        <p:blipFill>
+          <a:blip r:embed="rId7"/>
+          <a:stretch>
+            <a:fillRect/>
+          </a:stretch>
         </p:blipFill>
         <p:spPr>
           <a:xfrm>
-            <a:off x="5293402" y="796698"/>
-            <a:ext cx="1193007" cy="2503094"/>
+            <a:off x="6561741" y="610730"/>
+            <a:ext cx="1224106" cy="2621669"/>
           </a:xfrm>
           <a:prstGeom prst="rect">
             <a:avLst/>
           </a:prstGeom>
-          <a:noFill/>
-          <a:ln>
-            <a:noFill/>
-          </a:ln>
         </p:spPr>
       </p:pic>
       <p:pic>
         <p:nvPicPr>
-          <p:cNvPr id="9" name="Shape 715">
+          <p:cNvPr id="13" name="Imagen 12">
             <a:extLst>
               <a:ext uri="{FF2B5EF4-FFF2-40B4-BE49-F238E27FC236}">
-                <a16:creationId xmlns:a16="http://schemas.microsoft.com/office/drawing/2014/main" id="{ED9E6971-544C-429A-80BD-6B8DE22E0ED1}"/>
+                <a16:creationId xmlns:a16="http://schemas.microsoft.com/office/drawing/2014/main" id="{255E7A90-95BD-469F-800B-A8DBABEC6271}"/>
               </a:ext>
             </a:extLst>
           </p:cNvPr>
-          <p:cNvPicPr preferRelativeResize="0"/>
+          <p:cNvPicPr>
+            <a:picLocks noChangeAspect="1"/>
+          </p:cNvPicPr>
           <p:nvPr/>
         </p:nvPicPr>
-        <p:blipFill rotWithShape="1">
-          <a:blip r:embed="rId8">
-            <a:alphaModFix/>
-          </a:blip>
-          <a:srcRect/>
-          <a:stretch/>
+        <p:blipFill>
+          <a:blip r:embed="rId8"/>
+          <a:stretch>
+            <a:fillRect/>
+          </a:stretch>
         </p:blipFill>
         <p:spPr>
           <a:xfrm>
-            <a:off x="6602118" y="796697"/>
-            <a:ext cx="1174628" cy="3503633"/>
+            <a:off x="5258855" y="600710"/>
+            <a:ext cx="1236478" cy="4052570"/>
           </a:xfrm>
           <a:prstGeom prst="rect">
             <a:avLst/>
           </a:prstGeom>
-          <a:noFill/>
-          <a:ln>
-            <a:noFill/>
-          </a:ln>
         </p:spPr>
       </p:pic>
       <p:pic>
         <p:nvPicPr>
-          <p:cNvPr id="7" name="Imagen 6">
+          <p:cNvPr id="14" name="Imagen 13">
             <a:extLst>
               <a:ext uri="{FF2B5EF4-FFF2-40B4-BE49-F238E27FC236}">
-                <a16:creationId xmlns:a16="http://schemas.microsoft.com/office/drawing/2014/main" id="{B254ED40-A839-41F2-8622-0F67D4DE4721}"/>
+                <a16:creationId xmlns:a16="http://schemas.microsoft.com/office/drawing/2014/main" id="{7F40BEE5-8A02-4176-B143-56D43D15C438}"/>
               </a:ext>
             </a:extLst>
           </p:cNvPr>
@@ -31184,8 +31166,8 @@
         </p:blipFill>
         <p:spPr>
           <a:xfrm>
-            <a:off x="7852255" y="600710"/>
-            <a:ext cx="1233207" cy="3699620"/>
+            <a:off x="3999440" y="600710"/>
+            <a:ext cx="1160496" cy="1208600"/>
           </a:xfrm>
           <a:prstGeom prst="rect">
             <a:avLst/>
